--- a/ESINF/Class Materials and Exercices/4.Trees/Tree sample.pptx
+++ b/ESINF/Class Materials and Exercices/4.Trees/Tree sample.pptx
@@ -6,6 +6,7 @@
   </p:sldMasterIdLst>
   <p:sldIdLst>
     <p:sldId id="256" r:id="rId2"/>
+    <p:sldId id="257" r:id="rId3"/>
   </p:sldIdLst>
   <p:sldSz cx="12192000" cy="6858000"/>
   <p:notesSz cx="6858000" cy="9144000"/>
@@ -104,6 +105,11 @@
       </a:defRPr>
     </a:lvl9pPr>
   </p:defaultTextStyle>
+  <p:extLst>
+    <p:ext uri="{EFAFB233-063F-42B5-8137-9DF3F51BA10A}">
+      <p15:sldGuideLst xmlns:p15="http://schemas.microsoft.com/office/powerpoint/2012/main"/>
+    </p:ext>
+  </p:extLst>
 </p:presentation>
 </file>
 
@@ -256,7 +262,7 @@
           <a:p>
             <a:fld id="{173A2ACF-E698-49AF-9762-B98D8D5A4969}" type="datetimeFigureOut">
               <a:rPr lang="pt-PT" smtClean="0"/>
-              <a:t>19/10/2022</a:t>
+              <a:t>01/11/2022</a:t>
             </a:fld>
             <a:endParaRPr lang="pt-PT"/>
           </a:p>
@@ -310,7 +316,7 @@
           <a:p>
             <a:fld id="{941F7BD4-8129-48BD-AE6C-9F19B36480F2}" type="slidenum">
               <a:rPr lang="pt-PT" smtClean="0"/>
-              <a:t>‹#›</a:t>
+              <a:t>‹nº›</a:t>
             </a:fld>
             <a:endParaRPr lang="pt-PT"/>
           </a:p>
@@ -456,7 +462,7 @@
           <a:p>
             <a:fld id="{173A2ACF-E698-49AF-9762-B98D8D5A4969}" type="datetimeFigureOut">
               <a:rPr lang="pt-PT" smtClean="0"/>
-              <a:t>19/10/2022</a:t>
+              <a:t>01/11/2022</a:t>
             </a:fld>
             <a:endParaRPr lang="pt-PT"/>
           </a:p>
@@ -510,7 +516,7 @@
           <a:p>
             <a:fld id="{941F7BD4-8129-48BD-AE6C-9F19B36480F2}" type="slidenum">
               <a:rPr lang="pt-PT" smtClean="0"/>
-              <a:t>‹#›</a:t>
+              <a:t>‹nº›</a:t>
             </a:fld>
             <a:endParaRPr lang="pt-PT"/>
           </a:p>
@@ -666,7 +672,7 @@
           <a:p>
             <a:fld id="{173A2ACF-E698-49AF-9762-B98D8D5A4969}" type="datetimeFigureOut">
               <a:rPr lang="pt-PT" smtClean="0"/>
-              <a:t>19/10/2022</a:t>
+              <a:t>01/11/2022</a:t>
             </a:fld>
             <a:endParaRPr lang="pt-PT"/>
           </a:p>
@@ -720,7 +726,7 @@
           <a:p>
             <a:fld id="{941F7BD4-8129-48BD-AE6C-9F19B36480F2}" type="slidenum">
               <a:rPr lang="pt-PT" smtClean="0"/>
-              <a:t>‹#›</a:t>
+              <a:t>‹nº›</a:t>
             </a:fld>
             <a:endParaRPr lang="pt-PT"/>
           </a:p>
@@ -866,7 +872,7 @@
           <a:p>
             <a:fld id="{173A2ACF-E698-49AF-9762-B98D8D5A4969}" type="datetimeFigureOut">
               <a:rPr lang="pt-PT" smtClean="0"/>
-              <a:t>19/10/2022</a:t>
+              <a:t>01/11/2022</a:t>
             </a:fld>
             <a:endParaRPr lang="pt-PT"/>
           </a:p>
@@ -920,7 +926,7 @@
           <a:p>
             <a:fld id="{941F7BD4-8129-48BD-AE6C-9F19B36480F2}" type="slidenum">
               <a:rPr lang="pt-PT" smtClean="0"/>
-              <a:t>‹#›</a:t>
+              <a:t>‹nº›</a:t>
             </a:fld>
             <a:endParaRPr lang="pt-PT"/>
           </a:p>
@@ -1142,7 +1148,7 @@
           <a:p>
             <a:fld id="{173A2ACF-E698-49AF-9762-B98D8D5A4969}" type="datetimeFigureOut">
               <a:rPr lang="pt-PT" smtClean="0"/>
-              <a:t>19/10/2022</a:t>
+              <a:t>01/11/2022</a:t>
             </a:fld>
             <a:endParaRPr lang="pt-PT"/>
           </a:p>
@@ -1196,7 +1202,7 @@
           <a:p>
             <a:fld id="{941F7BD4-8129-48BD-AE6C-9F19B36480F2}" type="slidenum">
               <a:rPr lang="pt-PT" smtClean="0"/>
-              <a:t>‹#›</a:t>
+              <a:t>‹nº›</a:t>
             </a:fld>
             <a:endParaRPr lang="pt-PT"/>
           </a:p>
@@ -1410,7 +1416,7 @@
           <a:p>
             <a:fld id="{173A2ACF-E698-49AF-9762-B98D8D5A4969}" type="datetimeFigureOut">
               <a:rPr lang="pt-PT" smtClean="0"/>
-              <a:t>19/10/2022</a:t>
+              <a:t>01/11/2022</a:t>
             </a:fld>
             <a:endParaRPr lang="pt-PT"/>
           </a:p>
@@ -1464,7 +1470,7 @@
           <a:p>
             <a:fld id="{941F7BD4-8129-48BD-AE6C-9F19B36480F2}" type="slidenum">
               <a:rPr lang="pt-PT" smtClean="0"/>
-              <a:t>‹#›</a:t>
+              <a:t>‹nº›</a:t>
             </a:fld>
             <a:endParaRPr lang="pt-PT"/>
           </a:p>
@@ -1825,7 +1831,7 @@
           <a:p>
             <a:fld id="{173A2ACF-E698-49AF-9762-B98D8D5A4969}" type="datetimeFigureOut">
               <a:rPr lang="pt-PT" smtClean="0"/>
-              <a:t>19/10/2022</a:t>
+              <a:t>01/11/2022</a:t>
             </a:fld>
             <a:endParaRPr lang="pt-PT"/>
           </a:p>
@@ -1879,7 +1885,7 @@
           <a:p>
             <a:fld id="{941F7BD4-8129-48BD-AE6C-9F19B36480F2}" type="slidenum">
               <a:rPr lang="pt-PT" smtClean="0"/>
-              <a:t>‹#›</a:t>
+              <a:t>‹nº›</a:t>
             </a:fld>
             <a:endParaRPr lang="pt-PT"/>
           </a:p>
@@ -1967,7 +1973,7 @@
           <a:p>
             <a:fld id="{173A2ACF-E698-49AF-9762-B98D8D5A4969}" type="datetimeFigureOut">
               <a:rPr lang="pt-PT" smtClean="0"/>
-              <a:t>19/10/2022</a:t>
+              <a:t>01/11/2022</a:t>
             </a:fld>
             <a:endParaRPr lang="pt-PT"/>
           </a:p>
@@ -2021,7 +2027,7 @@
           <a:p>
             <a:fld id="{941F7BD4-8129-48BD-AE6C-9F19B36480F2}" type="slidenum">
               <a:rPr lang="pt-PT" smtClean="0"/>
-              <a:t>‹#›</a:t>
+              <a:t>‹nº›</a:t>
             </a:fld>
             <a:endParaRPr lang="pt-PT"/>
           </a:p>
@@ -2080,7 +2086,7 @@
           <a:p>
             <a:fld id="{173A2ACF-E698-49AF-9762-B98D8D5A4969}" type="datetimeFigureOut">
               <a:rPr lang="pt-PT" smtClean="0"/>
-              <a:t>19/10/2022</a:t>
+              <a:t>01/11/2022</a:t>
             </a:fld>
             <a:endParaRPr lang="pt-PT"/>
           </a:p>
@@ -2134,7 +2140,7 @@
           <a:p>
             <a:fld id="{941F7BD4-8129-48BD-AE6C-9F19B36480F2}" type="slidenum">
               <a:rPr lang="pt-PT" smtClean="0"/>
-              <a:t>‹#›</a:t>
+              <a:t>‹nº›</a:t>
             </a:fld>
             <a:endParaRPr lang="pt-PT"/>
           </a:p>
@@ -2393,7 +2399,7 @@
           <a:p>
             <a:fld id="{173A2ACF-E698-49AF-9762-B98D8D5A4969}" type="datetimeFigureOut">
               <a:rPr lang="pt-PT" smtClean="0"/>
-              <a:t>19/10/2022</a:t>
+              <a:t>01/11/2022</a:t>
             </a:fld>
             <a:endParaRPr lang="pt-PT"/>
           </a:p>
@@ -2447,7 +2453,7 @@
           <a:p>
             <a:fld id="{941F7BD4-8129-48BD-AE6C-9F19B36480F2}" type="slidenum">
               <a:rPr lang="pt-PT" smtClean="0"/>
-              <a:t>‹#›</a:t>
+              <a:t>‹nº›</a:t>
             </a:fld>
             <a:endParaRPr lang="pt-PT"/>
           </a:p>
@@ -2682,7 +2688,7 @@
           <a:p>
             <a:fld id="{173A2ACF-E698-49AF-9762-B98D8D5A4969}" type="datetimeFigureOut">
               <a:rPr lang="pt-PT" smtClean="0"/>
-              <a:t>19/10/2022</a:t>
+              <a:t>01/11/2022</a:t>
             </a:fld>
             <a:endParaRPr lang="pt-PT"/>
           </a:p>
@@ -2736,7 +2742,7 @@
           <a:p>
             <a:fld id="{941F7BD4-8129-48BD-AE6C-9F19B36480F2}" type="slidenum">
               <a:rPr lang="pt-PT" smtClean="0"/>
-              <a:t>‹#›</a:t>
+              <a:t>‹nº›</a:t>
             </a:fld>
             <a:endParaRPr lang="pt-PT"/>
           </a:p>
@@ -2925,7 +2931,7 @@
           <a:p>
             <a:fld id="{173A2ACF-E698-49AF-9762-B98D8D5A4969}" type="datetimeFigureOut">
               <a:rPr lang="pt-PT" smtClean="0"/>
-              <a:t>19/10/2022</a:t>
+              <a:t>01/11/2022</a:t>
             </a:fld>
             <a:endParaRPr lang="pt-PT"/>
           </a:p>
@@ -3015,7 +3021,7 @@
           <a:p>
             <a:fld id="{941F7BD4-8129-48BD-AE6C-9F19B36480F2}" type="slidenum">
               <a:rPr lang="pt-PT" smtClean="0"/>
-              <a:t>‹#›</a:t>
+              <a:t>‹nº›</a:t>
             </a:fld>
             <a:endParaRPr lang="pt-PT"/>
           </a:p>
@@ -4494,6 +4500,985 @@
 </p:sld>
 </file>
 
+<file path=ppt/slides/slide2.xml><?xml version="1.0" encoding="utf-8"?>
+<p:sld xmlns:a="http://schemas.openxmlformats.org/drawingml/2006/main" xmlns:r="http://schemas.openxmlformats.org/officeDocument/2006/relationships" xmlns:p="http://schemas.openxmlformats.org/presentationml/2006/main">
+  <p:cSld>
+    <p:spTree>
+      <p:nvGrpSpPr>
+        <p:cNvPr id="1" name=""/>
+        <p:cNvGrpSpPr/>
+        <p:nvPr/>
+      </p:nvGrpSpPr>
+      <p:grpSpPr>
+        <a:xfrm>
+          <a:off x="0" y="0"/>
+          <a:ext cx="0" cy="0"/>
+          <a:chOff x="0" y="0"/>
+          <a:chExt cx="0" cy="0"/>
+        </a:xfrm>
+      </p:grpSpPr>
+      <p:sp>
+        <p:nvSpPr>
+          <p:cNvPr id="7" name="Oval 6">
+            <a:extLst>
+              <a:ext uri="{FF2B5EF4-FFF2-40B4-BE49-F238E27FC236}">
+                <a16:creationId xmlns:a16="http://schemas.microsoft.com/office/drawing/2014/main" id="{86D6ACDC-7BB9-4437-A7F9-5582265A63D8}"/>
+              </a:ext>
+            </a:extLst>
+          </p:cNvPr>
+          <p:cNvSpPr/>
+          <p:nvPr/>
+        </p:nvSpPr>
+        <p:spPr>
+          <a:xfrm>
+            <a:off x="5629922" y="310719"/>
+            <a:ext cx="932155" cy="905522"/>
+          </a:xfrm>
+          <a:prstGeom prst="ellipse">
+            <a:avLst/>
+          </a:prstGeom>
+        </p:spPr>
+        <p:style>
+          <a:lnRef idx="2">
+            <a:schemeClr val="accent2">
+              <a:shade val="50000"/>
+            </a:schemeClr>
+          </a:lnRef>
+          <a:fillRef idx="1">
+            <a:schemeClr val="accent2"/>
+          </a:fillRef>
+          <a:effectRef idx="0">
+            <a:schemeClr val="accent2"/>
+          </a:effectRef>
+          <a:fontRef idx="minor">
+            <a:schemeClr val="lt1"/>
+          </a:fontRef>
+        </p:style>
+        <p:txBody>
+          <a:bodyPr rtlCol="0" anchor="ctr"/>
+          <a:lstStyle/>
+          <a:p>
+            <a:pPr algn="ctr"/>
+            <a:r>
+              <a:rPr lang="en-GB" dirty="0"/>
+              <a:t>20</a:t>
+            </a:r>
+            <a:endParaRPr lang="pt-PT" dirty="0"/>
+          </a:p>
+        </p:txBody>
+      </p:sp>
+      <p:sp>
+        <p:nvSpPr>
+          <p:cNvPr id="12" name="Oval 11">
+            <a:extLst>
+              <a:ext uri="{FF2B5EF4-FFF2-40B4-BE49-F238E27FC236}">
+                <a16:creationId xmlns:a16="http://schemas.microsoft.com/office/drawing/2014/main" id="{B362545A-2FFA-4595-A1F9-9C8BCCFF73C0}"/>
+              </a:ext>
+            </a:extLst>
+          </p:cNvPr>
+          <p:cNvSpPr/>
+          <p:nvPr/>
+        </p:nvSpPr>
+        <p:spPr>
+          <a:xfrm>
+            <a:off x="3846990" y="1712651"/>
+            <a:ext cx="932155" cy="905522"/>
+          </a:xfrm>
+          <a:prstGeom prst="ellipse">
+            <a:avLst/>
+          </a:prstGeom>
+        </p:spPr>
+        <p:style>
+          <a:lnRef idx="2">
+            <a:schemeClr val="accent2">
+              <a:shade val="50000"/>
+            </a:schemeClr>
+          </a:lnRef>
+          <a:fillRef idx="1">
+            <a:schemeClr val="accent2"/>
+          </a:fillRef>
+          <a:effectRef idx="0">
+            <a:schemeClr val="accent2"/>
+          </a:effectRef>
+          <a:fontRef idx="minor">
+            <a:schemeClr val="lt1"/>
+          </a:fontRef>
+        </p:style>
+        <p:txBody>
+          <a:bodyPr rtlCol="0" anchor="ctr"/>
+          <a:lstStyle/>
+          <a:p>
+            <a:pPr algn="ctr"/>
+            <a:r>
+              <a:rPr lang="en-GB" dirty="0"/>
+              <a:t>15</a:t>
+            </a:r>
+            <a:endParaRPr lang="pt-PT" dirty="0"/>
+          </a:p>
+        </p:txBody>
+      </p:sp>
+      <p:sp>
+        <p:nvSpPr>
+          <p:cNvPr id="13" name="Oval 12">
+            <a:extLst>
+              <a:ext uri="{FF2B5EF4-FFF2-40B4-BE49-F238E27FC236}">
+                <a16:creationId xmlns:a16="http://schemas.microsoft.com/office/drawing/2014/main" id="{5AE65B05-672D-46FF-8A78-1CB7457B2B15}"/>
+              </a:ext>
+            </a:extLst>
+          </p:cNvPr>
+          <p:cNvSpPr/>
+          <p:nvPr/>
+        </p:nvSpPr>
+        <p:spPr>
+          <a:xfrm>
+            <a:off x="7575610" y="1712651"/>
+            <a:ext cx="932155" cy="905522"/>
+          </a:xfrm>
+          <a:prstGeom prst="ellipse">
+            <a:avLst/>
+          </a:prstGeom>
+        </p:spPr>
+        <p:style>
+          <a:lnRef idx="2">
+            <a:schemeClr val="accent2">
+              <a:shade val="50000"/>
+            </a:schemeClr>
+          </a:lnRef>
+          <a:fillRef idx="1">
+            <a:schemeClr val="accent2"/>
+          </a:fillRef>
+          <a:effectRef idx="0">
+            <a:schemeClr val="accent2"/>
+          </a:effectRef>
+          <a:fontRef idx="minor">
+            <a:schemeClr val="lt1"/>
+          </a:fontRef>
+        </p:style>
+        <p:txBody>
+          <a:bodyPr rtlCol="0" anchor="ctr"/>
+          <a:lstStyle/>
+          <a:p>
+            <a:pPr algn="ctr"/>
+            <a:r>
+              <a:rPr lang="en-GB" dirty="0"/>
+              <a:t>40</a:t>
+            </a:r>
+            <a:endParaRPr lang="pt-PT" dirty="0"/>
+          </a:p>
+        </p:txBody>
+      </p:sp>
+      <p:sp>
+        <p:nvSpPr>
+          <p:cNvPr id="14" name="Oval 13">
+            <a:extLst>
+              <a:ext uri="{FF2B5EF4-FFF2-40B4-BE49-F238E27FC236}">
+                <a16:creationId xmlns:a16="http://schemas.microsoft.com/office/drawing/2014/main" id="{BF494102-9E63-451F-8A0B-9EE3B729E0E3}"/>
+              </a:ext>
+            </a:extLst>
+          </p:cNvPr>
+          <p:cNvSpPr/>
+          <p:nvPr/>
+        </p:nvSpPr>
+        <p:spPr>
+          <a:xfrm>
+            <a:off x="2914835" y="3117543"/>
+            <a:ext cx="932155" cy="905522"/>
+          </a:xfrm>
+          <a:prstGeom prst="ellipse">
+            <a:avLst/>
+          </a:prstGeom>
+        </p:spPr>
+        <p:style>
+          <a:lnRef idx="2">
+            <a:schemeClr val="accent2">
+              <a:shade val="50000"/>
+            </a:schemeClr>
+          </a:lnRef>
+          <a:fillRef idx="1">
+            <a:schemeClr val="accent2"/>
+          </a:fillRef>
+          <a:effectRef idx="0">
+            <a:schemeClr val="accent2"/>
+          </a:effectRef>
+          <a:fontRef idx="minor">
+            <a:schemeClr val="lt1"/>
+          </a:fontRef>
+        </p:style>
+        <p:txBody>
+          <a:bodyPr rtlCol="0" anchor="ctr"/>
+          <a:lstStyle/>
+          <a:p>
+            <a:pPr algn="ctr"/>
+            <a:r>
+              <a:rPr lang="en-GB" dirty="0"/>
+              <a:t>10</a:t>
+            </a:r>
+            <a:endParaRPr lang="pt-PT" dirty="0"/>
+          </a:p>
+        </p:txBody>
+      </p:sp>
+      <p:sp>
+        <p:nvSpPr>
+          <p:cNvPr id="15" name="Oval 14">
+            <a:extLst>
+              <a:ext uri="{FF2B5EF4-FFF2-40B4-BE49-F238E27FC236}">
+                <a16:creationId xmlns:a16="http://schemas.microsoft.com/office/drawing/2014/main" id="{B46DFAAA-94D0-4EE0-90ED-CC456AF65CCA}"/>
+              </a:ext>
+            </a:extLst>
+          </p:cNvPr>
+          <p:cNvSpPr/>
+          <p:nvPr/>
+        </p:nvSpPr>
+        <p:spPr>
+          <a:xfrm>
+            <a:off x="4779145" y="3117543"/>
+            <a:ext cx="932155" cy="905522"/>
+          </a:xfrm>
+          <a:prstGeom prst="ellipse">
+            <a:avLst/>
+          </a:prstGeom>
+        </p:spPr>
+        <p:style>
+          <a:lnRef idx="2">
+            <a:schemeClr val="accent2">
+              <a:shade val="50000"/>
+            </a:schemeClr>
+          </a:lnRef>
+          <a:fillRef idx="1">
+            <a:schemeClr val="accent2"/>
+          </a:fillRef>
+          <a:effectRef idx="0">
+            <a:schemeClr val="accent2"/>
+          </a:effectRef>
+          <a:fontRef idx="minor">
+            <a:schemeClr val="lt1"/>
+          </a:fontRef>
+        </p:style>
+        <p:txBody>
+          <a:bodyPr rtlCol="0" anchor="ctr"/>
+          <a:lstStyle/>
+          <a:p>
+            <a:pPr algn="ctr"/>
+            <a:r>
+              <a:rPr lang="en-GB" dirty="0"/>
+              <a:t>17</a:t>
+            </a:r>
+            <a:endParaRPr lang="pt-PT" dirty="0"/>
+          </a:p>
+        </p:txBody>
+      </p:sp>
+      <p:sp>
+        <p:nvSpPr>
+          <p:cNvPr id="16" name="Oval 15">
+            <a:extLst>
+              <a:ext uri="{FF2B5EF4-FFF2-40B4-BE49-F238E27FC236}">
+                <a16:creationId xmlns:a16="http://schemas.microsoft.com/office/drawing/2014/main" id="{EFE485DE-7AB2-4CD4-B113-32D6E1C6EE7F}"/>
+              </a:ext>
+            </a:extLst>
+          </p:cNvPr>
+          <p:cNvSpPr/>
+          <p:nvPr/>
+        </p:nvSpPr>
+        <p:spPr>
+          <a:xfrm>
+            <a:off x="6643455" y="3117543"/>
+            <a:ext cx="932155" cy="905522"/>
+          </a:xfrm>
+          <a:prstGeom prst="ellipse">
+            <a:avLst/>
+          </a:prstGeom>
+        </p:spPr>
+        <p:style>
+          <a:lnRef idx="2">
+            <a:schemeClr val="accent2">
+              <a:shade val="50000"/>
+            </a:schemeClr>
+          </a:lnRef>
+          <a:fillRef idx="1">
+            <a:schemeClr val="accent2"/>
+          </a:fillRef>
+          <a:effectRef idx="0">
+            <a:schemeClr val="accent2"/>
+          </a:effectRef>
+          <a:fontRef idx="minor">
+            <a:schemeClr val="lt1"/>
+          </a:fontRef>
+        </p:style>
+        <p:txBody>
+          <a:bodyPr rtlCol="0" anchor="ctr"/>
+          <a:lstStyle/>
+          <a:p>
+            <a:pPr algn="ctr"/>
+            <a:r>
+              <a:rPr lang="en-GB" dirty="0"/>
+              <a:t>30</a:t>
+            </a:r>
+            <a:endParaRPr lang="pt-PT" dirty="0"/>
+          </a:p>
+        </p:txBody>
+      </p:sp>
+      <p:sp>
+        <p:nvSpPr>
+          <p:cNvPr id="17" name="Oval 16">
+            <a:extLst>
+              <a:ext uri="{FF2B5EF4-FFF2-40B4-BE49-F238E27FC236}">
+                <a16:creationId xmlns:a16="http://schemas.microsoft.com/office/drawing/2014/main" id="{25B23331-82B3-4494-97AC-B8C777153C43}"/>
+              </a:ext>
+            </a:extLst>
+          </p:cNvPr>
+          <p:cNvSpPr/>
+          <p:nvPr/>
+        </p:nvSpPr>
+        <p:spPr>
+          <a:xfrm>
+            <a:off x="8507765" y="3117543"/>
+            <a:ext cx="932155" cy="905522"/>
+          </a:xfrm>
+          <a:prstGeom prst="ellipse">
+            <a:avLst/>
+          </a:prstGeom>
+        </p:spPr>
+        <p:style>
+          <a:lnRef idx="2">
+            <a:schemeClr val="accent2">
+              <a:shade val="50000"/>
+            </a:schemeClr>
+          </a:lnRef>
+          <a:fillRef idx="1">
+            <a:schemeClr val="accent2"/>
+          </a:fillRef>
+          <a:effectRef idx="0">
+            <a:schemeClr val="accent2"/>
+          </a:effectRef>
+          <a:fontRef idx="minor">
+            <a:schemeClr val="lt1"/>
+          </a:fontRef>
+        </p:style>
+        <p:txBody>
+          <a:bodyPr rtlCol="0" anchor="ctr"/>
+          <a:lstStyle/>
+          <a:p>
+            <a:pPr algn="ctr"/>
+            <a:r>
+              <a:rPr lang="en-GB" dirty="0"/>
+              <a:t>50</a:t>
+            </a:r>
+            <a:endParaRPr lang="pt-PT" dirty="0"/>
+          </a:p>
+        </p:txBody>
+      </p:sp>
+      <p:sp>
+        <p:nvSpPr>
+          <p:cNvPr id="18" name="Oval 17">
+            <a:extLst>
+              <a:ext uri="{FF2B5EF4-FFF2-40B4-BE49-F238E27FC236}">
+                <a16:creationId xmlns:a16="http://schemas.microsoft.com/office/drawing/2014/main" id="{6209A28F-22CD-489F-997E-2B92AC96FEFC}"/>
+              </a:ext>
+            </a:extLst>
+          </p:cNvPr>
+          <p:cNvSpPr/>
+          <p:nvPr/>
+        </p:nvSpPr>
+        <p:spPr>
+          <a:xfrm>
+            <a:off x="1982680" y="4388529"/>
+            <a:ext cx="932155" cy="905522"/>
+          </a:xfrm>
+          <a:prstGeom prst="ellipse">
+            <a:avLst/>
+          </a:prstGeom>
+        </p:spPr>
+        <p:style>
+          <a:lnRef idx="2">
+            <a:schemeClr val="accent2">
+              <a:shade val="50000"/>
+            </a:schemeClr>
+          </a:lnRef>
+          <a:fillRef idx="1">
+            <a:schemeClr val="accent2"/>
+          </a:fillRef>
+          <a:effectRef idx="0">
+            <a:schemeClr val="accent2"/>
+          </a:effectRef>
+          <a:fontRef idx="minor">
+            <a:schemeClr val="lt1"/>
+          </a:fontRef>
+        </p:style>
+        <p:txBody>
+          <a:bodyPr rtlCol="0" anchor="ctr"/>
+          <a:lstStyle/>
+          <a:p>
+            <a:pPr algn="ctr"/>
+            <a:r>
+              <a:rPr lang="en-GB" dirty="0"/>
+              <a:t>8</a:t>
+            </a:r>
+            <a:endParaRPr lang="pt-PT" dirty="0"/>
+          </a:p>
+        </p:txBody>
+      </p:sp>
+      <p:sp>
+        <p:nvSpPr>
+          <p:cNvPr id="20" name="Oval 19">
+            <a:extLst>
+              <a:ext uri="{FF2B5EF4-FFF2-40B4-BE49-F238E27FC236}">
+                <a16:creationId xmlns:a16="http://schemas.microsoft.com/office/drawing/2014/main" id="{14A195B0-F1C7-4CB1-9842-0A2118390BB1}"/>
+              </a:ext>
+            </a:extLst>
+          </p:cNvPr>
+          <p:cNvSpPr/>
+          <p:nvPr/>
+        </p:nvSpPr>
+        <p:spPr>
+          <a:xfrm>
+            <a:off x="1050525" y="5659515"/>
+            <a:ext cx="932155" cy="905522"/>
+          </a:xfrm>
+          <a:prstGeom prst="ellipse">
+            <a:avLst/>
+          </a:prstGeom>
+        </p:spPr>
+        <p:style>
+          <a:lnRef idx="2">
+            <a:schemeClr val="accent2">
+              <a:shade val="50000"/>
+            </a:schemeClr>
+          </a:lnRef>
+          <a:fillRef idx="1">
+            <a:schemeClr val="accent2"/>
+          </a:fillRef>
+          <a:effectRef idx="0">
+            <a:schemeClr val="accent2"/>
+          </a:effectRef>
+          <a:fontRef idx="minor">
+            <a:schemeClr val="lt1"/>
+          </a:fontRef>
+        </p:style>
+        <p:txBody>
+          <a:bodyPr rtlCol="0" anchor="ctr"/>
+          <a:lstStyle/>
+          <a:p>
+            <a:pPr algn="ctr"/>
+            <a:r>
+              <a:rPr lang="en-GB" dirty="0"/>
+              <a:t>7</a:t>
+            </a:r>
+            <a:endParaRPr lang="pt-PT" dirty="0"/>
+          </a:p>
+        </p:txBody>
+      </p:sp>
+      <p:cxnSp>
+        <p:nvCxnSpPr>
+          <p:cNvPr id="22" name="Straight Connector 21">
+            <a:extLst>
+              <a:ext uri="{FF2B5EF4-FFF2-40B4-BE49-F238E27FC236}">
+                <a16:creationId xmlns:a16="http://schemas.microsoft.com/office/drawing/2014/main" id="{CC767E66-BEF1-4E0C-B0D0-99D30A66F997}"/>
+              </a:ext>
+            </a:extLst>
+          </p:cNvPr>
+          <p:cNvCxnSpPr>
+            <a:stCxn id="7" idx="4"/>
+            <a:endCxn id="12" idx="0"/>
+          </p:cNvCxnSpPr>
+          <p:nvPr/>
+        </p:nvCxnSpPr>
+        <p:spPr>
+          <a:xfrm flipH="1">
+            <a:off x="4313068" y="1216241"/>
+            <a:ext cx="1782932" cy="496410"/>
+          </a:xfrm>
+          <a:prstGeom prst="line">
+            <a:avLst/>
+          </a:prstGeom>
+        </p:spPr>
+        <p:style>
+          <a:lnRef idx="3">
+            <a:schemeClr val="dk1"/>
+          </a:lnRef>
+          <a:fillRef idx="0">
+            <a:schemeClr val="dk1"/>
+          </a:fillRef>
+          <a:effectRef idx="2">
+            <a:schemeClr val="dk1"/>
+          </a:effectRef>
+          <a:fontRef idx="minor">
+            <a:schemeClr val="tx1"/>
+          </a:fontRef>
+        </p:style>
+      </p:cxnSp>
+      <p:cxnSp>
+        <p:nvCxnSpPr>
+          <p:cNvPr id="23" name="Straight Connector 22">
+            <a:extLst>
+              <a:ext uri="{FF2B5EF4-FFF2-40B4-BE49-F238E27FC236}">
+                <a16:creationId xmlns:a16="http://schemas.microsoft.com/office/drawing/2014/main" id="{8CECB2E1-0AC8-4B59-AF6F-8772DE2E4C6B}"/>
+              </a:ext>
+            </a:extLst>
+          </p:cNvPr>
+          <p:cNvCxnSpPr>
+            <a:cxnSpLocks/>
+            <a:stCxn id="12" idx="4"/>
+            <a:endCxn id="14" idx="0"/>
+          </p:cNvCxnSpPr>
+          <p:nvPr/>
+        </p:nvCxnSpPr>
+        <p:spPr>
+          <a:xfrm flipH="1">
+            <a:off x="3380913" y="2618173"/>
+            <a:ext cx="932155" cy="499370"/>
+          </a:xfrm>
+          <a:prstGeom prst="line">
+            <a:avLst/>
+          </a:prstGeom>
+        </p:spPr>
+        <p:style>
+          <a:lnRef idx="3">
+            <a:schemeClr val="dk1"/>
+          </a:lnRef>
+          <a:fillRef idx="0">
+            <a:schemeClr val="dk1"/>
+          </a:fillRef>
+          <a:effectRef idx="2">
+            <a:schemeClr val="dk1"/>
+          </a:effectRef>
+          <a:fontRef idx="minor">
+            <a:schemeClr val="tx1"/>
+          </a:fontRef>
+        </p:style>
+      </p:cxnSp>
+      <p:cxnSp>
+        <p:nvCxnSpPr>
+          <p:cNvPr id="26" name="Straight Connector 25">
+            <a:extLst>
+              <a:ext uri="{FF2B5EF4-FFF2-40B4-BE49-F238E27FC236}">
+                <a16:creationId xmlns:a16="http://schemas.microsoft.com/office/drawing/2014/main" id="{79CC6781-8632-4ED8-8EAC-2DBD2575CF9F}"/>
+              </a:ext>
+            </a:extLst>
+          </p:cNvPr>
+          <p:cNvCxnSpPr>
+            <a:cxnSpLocks/>
+            <a:stCxn id="12" idx="4"/>
+            <a:endCxn id="15" idx="0"/>
+          </p:cNvCxnSpPr>
+          <p:nvPr/>
+        </p:nvCxnSpPr>
+        <p:spPr>
+          <a:xfrm>
+            <a:off x="4313068" y="2618173"/>
+            <a:ext cx="932155" cy="499370"/>
+          </a:xfrm>
+          <a:prstGeom prst="line">
+            <a:avLst/>
+          </a:prstGeom>
+        </p:spPr>
+        <p:style>
+          <a:lnRef idx="3">
+            <a:schemeClr val="dk1"/>
+          </a:lnRef>
+          <a:fillRef idx="0">
+            <a:schemeClr val="dk1"/>
+          </a:fillRef>
+          <a:effectRef idx="2">
+            <a:schemeClr val="dk1"/>
+          </a:effectRef>
+          <a:fontRef idx="minor">
+            <a:schemeClr val="tx1"/>
+          </a:fontRef>
+        </p:style>
+      </p:cxnSp>
+      <p:cxnSp>
+        <p:nvCxnSpPr>
+          <p:cNvPr id="29" name="Straight Connector 28">
+            <a:extLst>
+              <a:ext uri="{FF2B5EF4-FFF2-40B4-BE49-F238E27FC236}">
+                <a16:creationId xmlns:a16="http://schemas.microsoft.com/office/drawing/2014/main" id="{17F309FF-2472-49E3-889B-EEAA69C484AA}"/>
+              </a:ext>
+            </a:extLst>
+          </p:cNvPr>
+          <p:cNvCxnSpPr>
+            <a:cxnSpLocks/>
+            <a:stCxn id="13" idx="4"/>
+            <a:endCxn id="17" idx="0"/>
+          </p:cNvCxnSpPr>
+          <p:nvPr/>
+        </p:nvCxnSpPr>
+        <p:spPr>
+          <a:xfrm>
+            <a:off x="8041688" y="2618173"/>
+            <a:ext cx="932155" cy="499370"/>
+          </a:xfrm>
+          <a:prstGeom prst="line">
+            <a:avLst/>
+          </a:prstGeom>
+        </p:spPr>
+        <p:style>
+          <a:lnRef idx="3">
+            <a:schemeClr val="dk1"/>
+          </a:lnRef>
+          <a:fillRef idx="0">
+            <a:schemeClr val="dk1"/>
+          </a:fillRef>
+          <a:effectRef idx="2">
+            <a:schemeClr val="dk1"/>
+          </a:effectRef>
+          <a:fontRef idx="minor">
+            <a:schemeClr val="tx1"/>
+          </a:fontRef>
+        </p:style>
+      </p:cxnSp>
+      <p:cxnSp>
+        <p:nvCxnSpPr>
+          <p:cNvPr id="32" name="Straight Connector 31">
+            <a:extLst>
+              <a:ext uri="{FF2B5EF4-FFF2-40B4-BE49-F238E27FC236}">
+                <a16:creationId xmlns:a16="http://schemas.microsoft.com/office/drawing/2014/main" id="{54CF3799-A5E8-4AE6-AD9C-B9CFDB7119B6}"/>
+              </a:ext>
+            </a:extLst>
+          </p:cNvPr>
+          <p:cNvCxnSpPr>
+            <a:cxnSpLocks/>
+            <a:stCxn id="14" idx="4"/>
+            <a:endCxn id="18" idx="0"/>
+          </p:cNvCxnSpPr>
+          <p:nvPr/>
+        </p:nvCxnSpPr>
+        <p:spPr>
+          <a:xfrm flipH="1">
+            <a:off x="2448758" y="4023065"/>
+            <a:ext cx="932155" cy="365464"/>
+          </a:xfrm>
+          <a:prstGeom prst="line">
+            <a:avLst/>
+          </a:prstGeom>
+        </p:spPr>
+        <p:style>
+          <a:lnRef idx="3">
+            <a:schemeClr val="dk1"/>
+          </a:lnRef>
+          <a:fillRef idx="0">
+            <a:schemeClr val="dk1"/>
+          </a:fillRef>
+          <a:effectRef idx="2">
+            <a:schemeClr val="dk1"/>
+          </a:effectRef>
+          <a:fontRef idx="minor">
+            <a:schemeClr val="tx1"/>
+          </a:fontRef>
+        </p:style>
+      </p:cxnSp>
+      <p:cxnSp>
+        <p:nvCxnSpPr>
+          <p:cNvPr id="35" name="Straight Connector 34">
+            <a:extLst>
+              <a:ext uri="{FF2B5EF4-FFF2-40B4-BE49-F238E27FC236}">
+                <a16:creationId xmlns:a16="http://schemas.microsoft.com/office/drawing/2014/main" id="{86CEB903-B5EE-4F0E-B960-7512DD43D552}"/>
+              </a:ext>
+            </a:extLst>
+          </p:cNvPr>
+          <p:cNvCxnSpPr>
+            <a:cxnSpLocks/>
+            <a:stCxn id="18" idx="4"/>
+            <a:endCxn id="20" idx="0"/>
+          </p:cNvCxnSpPr>
+          <p:nvPr/>
+        </p:nvCxnSpPr>
+        <p:spPr>
+          <a:xfrm flipH="1">
+            <a:off x="1516603" y="5294051"/>
+            <a:ext cx="932155" cy="365464"/>
+          </a:xfrm>
+          <a:prstGeom prst="line">
+            <a:avLst/>
+          </a:prstGeom>
+        </p:spPr>
+        <p:style>
+          <a:lnRef idx="3">
+            <a:schemeClr val="dk1"/>
+          </a:lnRef>
+          <a:fillRef idx="0">
+            <a:schemeClr val="dk1"/>
+          </a:fillRef>
+          <a:effectRef idx="2">
+            <a:schemeClr val="dk1"/>
+          </a:effectRef>
+          <a:fontRef idx="minor">
+            <a:schemeClr val="tx1"/>
+          </a:fontRef>
+        </p:style>
+      </p:cxnSp>
+      <p:cxnSp>
+        <p:nvCxnSpPr>
+          <p:cNvPr id="38" name="Straight Connector 37">
+            <a:extLst>
+              <a:ext uri="{FF2B5EF4-FFF2-40B4-BE49-F238E27FC236}">
+                <a16:creationId xmlns:a16="http://schemas.microsoft.com/office/drawing/2014/main" id="{F3C31198-779D-4EA2-AEE8-77F31DF7CA0A}"/>
+              </a:ext>
+            </a:extLst>
+          </p:cNvPr>
+          <p:cNvCxnSpPr>
+            <a:cxnSpLocks/>
+            <a:stCxn id="13" idx="4"/>
+            <a:endCxn id="16" idx="0"/>
+          </p:cNvCxnSpPr>
+          <p:nvPr/>
+        </p:nvCxnSpPr>
+        <p:spPr>
+          <a:xfrm flipH="1">
+            <a:off x="7109533" y="2618173"/>
+            <a:ext cx="932155" cy="499370"/>
+          </a:xfrm>
+          <a:prstGeom prst="line">
+            <a:avLst/>
+          </a:prstGeom>
+        </p:spPr>
+        <p:style>
+          <a:lnRef idx="3">
+            <a:schemeClr val="dk1"/>
+          </a:lnRef>
+          <a:fillRef idx="0">
+            <a:schemeClr val="dk1"/>
+          </a:fillRef>
+          <a:effectRef idx="2">
+            <a:schemeClr val="dk1"/>
+          </a:effectRef>
+          <a:fontRef idx="minor">
+            <a:schemeClr val="tx1"/>
+          </a:fontRef>
+        </p:style>
+      </p:cxnSp>
+      <p:cxnSp>
+        <p:nvCxnSpPr>
+          <p:cNvPr id="41" name="Straight Connector 40">
+            <a:extLst>
+              <a:ext uri="{FF2B5EF4-FFF2-40B4-BE49-F238E27FC236}">
+                <a16:creationId xmlns:a16="http://schemas.microsoft.com/office/drawing/2014/main" id="{300BD10C-E62B-4CA7-BEAB-7647B581E311}"/>
+              </a:ext>
+            </a:extLst>
+          </p:cNvPr>
+          <p:cNvCxnSpPr>
+            <a:cxnSpLocks/>
+            <a:stCxn id="13" idx="0"/>
+            <a:endCxn id="7" idx="4"/>
+          </p:cNvCxnSpPr>
+          <p:nvPr/>
+        </p:nvCxnSpPr>
+        <p:spPr>
+          <a:xfrm flipH="1" flipV="1">
+            <a:off x="6096000" y="1216241"/>
+            <a:ext cx="1945688" cy="496410"/>
+          </a:xfrm>
+          <a:prstGeom prst="line">
+            <a:avLst/>
+          </a:prstGeom>
+        </p:spPr>
+        <p:style>
+          <a:lnRef idx="3">
+            <a:schemeClr val="dk1"/>
+          </a:lnRef>
+          <a:fillRef idx="0">
+            <a:schemeClr val="dk1"/>
+          </a:fillRef>
+          <a:effectRef idx="2">
+            <a:schemeClr val="dk1"/>
+          </a:effectRef>
+          <a:fontRef idx="minor">
+            <a:schemeClr val="tx1"/>
+          </a:fontRef>
+        </p:style>
+      </p:cxnSp>
+      <p:sp>
+        <p:nvSpPr>
+          <p:cNvPr id="55" name="TextBox 54">
+            <a:extLst>
+              <a:ext uri="{FF2B5EF4-FFF2-40B4-BE49-F238E27FC236}">
+                <a16:creationId xmlns:a16="http://schemas.microsoft.com/office/drawing/2014/main" id="{9C350AF0-F83B-4D8A-9FC6-51ED89E20832}"/>
+              </a:ext>
+            </a:extLst>
+          </p:cNvPr>
+          <p:cNvSpPr txBox="1"/>
+          <p:nvPr/>
+        </p:nvSpPr>
+        <p:spPr>
+          <a:xfrm>
+            <a:off x="10768614" y="6294268"/>
+            <a:ext cx="1091950" cy="369332"/>
+          </a:xfrm>
+          <a:prstGeom prst="rect">
+            <a:avLst/>
+          </a:prstGeom>
+          <a:noFill/>
+        </p:spPr>
+        <p:txBody>
+          <a:bodyPr wrap="square" rtlCol="0">
+            <a:spAutoFit/>
+          </a:bodyPr>
+          <a:lstStyle/>
+          <a:p>
+            <a:r>
+              <a:rPr lang="en-GB" dirty="0"/>
+              <a:t>height: 0</a:t>
+            </a:r>
+            <a:endParaRPr lang="pt-PT" dirty="0"/>
+          </a:p>
+        </p:txBody>
+      </p:sp>
+      <p:sp>
+        <p:nvSpPr>
+          <p:cNvPr id="56" name="TextBox 55">
+            <a:extLst>
+              <a:ext uri="{FF2B5EF4-FFF2-40B4-BE49-F238E27FC236}">
+                <a16:creationId xmlns:a16="http://schemas.microsoft.com/office/drawing/2014/main" id="{AAA92A1D-D7EF-42E6-92BD-6ECBC793B1C8}"/>
+              </a:ext>
+            </a:extLst>
+          </p:cNvPr>
+          <p:cNvSpPr txBox="1"/>
+          <p:nvPr/>
+        </p:nvSpPr>
+        <p:spPr>
+          <a:xfrm>
+            <a:off x="10768614" y="5121507"/>
+            <a:ext cx="1091950" cy="369332"/>
+          </a:xfrm>
+          <a:prstGeom prst="rect">
+            <a:avLst/>
+          </a:prstGeom>
+          <a:noFill/>
+        </p:spPr>
+        <p:txBody>
+          <a:bodyPr wrap="square" rtlCol="0">
+            <a:spAutoFit/>
+          </a:bodyPr>
+          <a:lstStyle/>
+          <a:p>
+            <a:r>
+              <a:rPr lang="en-GB" dirty="0"/>
+              <a:t>height: 1</a:t>
+            </a:r>
+            <a:endParaRPr lang="pt-PT" dirty="0"/>
+          </a:p>
+        </p:txBody>
+      </p:sp>
+      <p:sp>
+        <p:nvSpPr>
+          <p:cNvPr id="57" name="TextBox 56">
+            <a:extLst>
+              <a:ext uri="{FF2B5EF4-FFF2-40B4-BE49-F238E27FC236}">
+                <a16:creationId xmlns:a16="http://schemas.microsoft.com/office/drawing/2014/main" id="{60B84A49-5D10-422F-992C-2852E436232A}"/>
+              </a:ext>
+            </a:extLst>
+          </p:cNvPr>
+          <p:cNvSpPr txBox="1"/>
+          <p:nvPr/>
+        </p:nvSpPr>
+        <p:spPr>
+          <a:xfrm>
+            <a:off x="10768614" y="3844602"/>
+            <a:ext cx="1091950" cy="369332"/>
+          </a:xfrm>
+          <a:prstGeom prst="rect">
+            <a:avLst/>
+          </a:prstGeom>
+          <a:noFill/>
+        </p:spPr>
+        <p:txBody>
+          <a:bodyPr wrap="square" rtlCol="0">
+            <a:spAutoFit/>
+          </a:bodyPr>
+          <a:lstStyle/>
+          <a:p>
+            <a:r>
+              <a:rPr lang="en-GB" dirty="0"/>
+              <a:t>height: 2</a:t>
+            </a:r>
+            <a:endParaRPr lang="pt-PT" dirty="0"/>
+          </a:p>
+        </p:txBody>
+      </p:sp>
+      <p:sp>
+        <p:nvSpPr>
+          <p:cNvPr id="58" name="TextBox 57">
+            <a:extLst>
+              <a:ext uri="{FF2B5EF4-FFF2-40B4-BE49-F238E27FC236}">
+                <a16:creationId xmlns:a16="http://schemas.microsoft.com/office/drawing/2014/main" id="{BBF96B4C-4584-4C53-895D-BCA925DC7AFF}"/>
+              </a:ext>
+            </a:extLst>
+          </p:cNvPr>
+          <p:cNvSpPr txBox="1"/>
+          <p:nvPr/>
+        </p:nvSpPr>
+        <p:spPr>
+          <a:xfrm>
+            <a:off x="10768614" y="2547538"/>
+            <a:ext cx="1091950" cy="369332"/>
+          </a:xfrm>
+          <a:prstGeom prst="rect">
+            <a:avLst/>
+          </a:prstGeom>
+          <a:noFill/>
+        </p:spPr>
+        <p:txBody>
+          <a:bodyPr wrap="square" rtlCol="0">
+            <a:spAutoFit/>
+          </a:bodyPr>
+          <a:lstStyle/>
+          <a:p>
+            <a:r>
+              <a:rPr lang="en-GB" dirty="0"/>
+              <a:t>height: 3</a:t>
+            </a:r>
+            <a:endParaRPr lang="pt-PT" dirty="0"/>
+          </a:p>
+        </p:txBody>
+      </p:sp>
+      <p:sp>
+        <p:nvSpPr>
+          <p:cNvPr id="59" name="TextBox 58">
+            <a:extLst>
+              <a:ext uri="{FF2B5EF4-FFF2-40B4-BE49-F238E27FC236}">
+                <a16:creationId xmlns:a16="http://schemas.microsoft.com/office/drawing/2014/main" id="{7D7C3C94-783C-4A09-A039-4F1CFC22FA98}"/>
+              </a:ext>
+            </a:extLst>
+          </p:cNvPr>
+          <p:cNvSpPr txBox="1"/>
+          <p:nvPr/>
+        </p:nvSpPr>
+        <p:spPr>
+          <a:xfrm>
+            <a:off x="10768614" y="1075888"/>
+            <a:ext cx="1091950" cy="369332"/>
+          </a:xfrm>
+          <a:prstGeom prst="rect">
+            <a:avLst/>
+          </a:prstGeom>
+          <a:noFill/>
+        </p:spPr>
+        <p:txBody>
+          <a:bodyPr wrap="square" rtlCol="0">
+            <a:spAutoFit/>
+          </a:bodyPr>
+          <a:lstStyle/>
+          <a:p>
+            <a:r>
+              <a:rPr lang="en-GB" dirty="0"/>
+              <a:t>height: 4</a:t>
+            </a:r>
+            <a:endParaRPr lang="pt-PT" dirty="0"/>
+          </a:p>
+        </p:txBody>
+      </p:sp>
+    </p:spTree>
+    <p:extLst>
+      <p:ext uri="{BB962C8B-B14F-4D97-AF65-F5344CB8AC3E}">
+        <p14:creationId xmlns:p14="http://schemas.microsoft.com/office/powerpoint/2010/main" val="1938189764"/>
+      </p:ext>
+    </p:extLst>
+  </p:cSld>
+  <p:clrMapOvr>
+    <a:masterClrMapping/>
+  </p:clrMapOvr>
+</p:sld>
+</file>
+
 <file path=ppt/theme/theme1.xml><?xml version="1.0" encoding="utf-8"?>
 <a:theme xmlns:a="http://schemas.openxmlformats.org/drawingml/2006/main" name="Office Theme">
   <a:themeElements>
